--- a/CFT4CUnitSrc/src/report/ACIIDS2017_Presentation.pptx
+++ b/CFT4CUnitSrc/src/report/ACIIDS2017_Presentation.pptx
@@ -195,7 +195,7 @@
             <a:fld id="{5F13D7CC-1040-492F-8106-51A9FB2C754C}" type="datetimeFigureOut">
               <a:rPr lang="en-US" smtClean="0"/>
               <a:pPr/>
-              <a:t>3/21/2017</a:t>
+              <a:t>3/23/2017</a:t>
             </a:fld>
             <a:endParaRPr lang="en-US"/>
           </a:p>
@@ -461,7 +461,7 @@
             <a:fld id="{2A145FE2-AB7C-46BC-8F86-612F87CDD637}" type="datetimeFigureOut">
               <a:rPr lang="en-US" smtClean="0"/>
               <a:pPr/>
-              <a:t>3/21/2017</a:t>
+              <a:t>3/23/2017</a:t>
             </a:fld>
             <a:endParaRPr lang="en-US"/>
           </a:p>
@@ -633,7 +633,7 @@
             <a:fld id="{2A145FE2-AB7C-46BC-8F86-612F87CDD637}" type="datetimeFigureOut">
               <a:rPr lang="en-US" smtClean="0"/>
               <a:pPr/>
-              <a:t>3/21/2017</a:t>
+              <a:t>3/23/2017</a:t>
             </a:fld>
             <a:endParaRPr lang="en-US"/>
           </a:p>
@@ -815,7 +815,7 @@
             <a:fld id="{2A145FE2-AB7C-46BC-8F86-612F87CDD637}" type="datetimeFigureOut">
               <a:rPr lang="en-US" smtClean="0"/>
               <a:pPr/>
-              <a:t>3/21/2017</a:t>
+              <a:t>3/23/2017</a:t>
             </a:fld>
             <a:endParaRPr lang="en-US"/>
           </a:p>
@@ -987,7 +987,7 @@
             <a:fld id="{2A145FE2-AB7C-46BC-8F86-612F87CDD637}" type="datetimeFigureOut">
               <a:rPr lang="en-US" smtClean="0"/>
               <a:pPr/>
-              <a:t>3/21/2017</a:t>
+              <a:t>3/23/2017</a:t>
             </a:fld>
             <a:endParaRPr lang="en-US"/>
           </a:p>
@@ -1235,7 +1235,7 @@
             <a:fld id="{2A145FE2-AB7C-46BC-8F86-612F87CDD637}" type="datetimeFigureOut">
               <a:rPr lang="en-US" smtClean="0"/>
               <a:pPr/>
-              <a:t>3/21/2017</a:t>
+              <a:t>3/23/2017</a:t>
             </a:fld>
             <a:endParaRPr lang="en-US"/>
           </a:p>
@@ -1525,7 +1525,7 @@
             <a:fld id="{2A145FE2-AB7C-46BC-8F86-612F87CDD637}" type="datetimeFigureOut">
               <a:rPr lang="en-US" smtClean="0"/>
               <a:pPr/>
-              <a:t>3/21/2017</a:t>
+              <a:t>3/23/2017</a:t>
             </a:fld>
             <a:endParaRPr lang="en-US"/>
           </a:p>
@@ -1949,7 +1949,7 @@
             <a:fld id="{2A145FE2-AB7C-46BC-8F86-612F87CDD637}" type="datetimeFigureOut">
               <a:rPr lang="en-US" smtClean="0"/>
               <a:pPr/>
-              <a:t>3/21/2017</a:t>
+              <a:t>3/23/2017</a:t>
             </a:fld>
             <a:endParaRPr lang="en-US"/>
           </a:p>
@@ -2069,7 +2069,7 @@
             <a:fld id="{2A145FE2-AB7C-46BC-8F86-612F87CDD637}" type="datetimeFigureOut">
               <a:rPr lang="en-US" smtClean="0"/>
               <a:pPr/>
-              <a:t>3/21/2017</a:t>
+              <a:t>3/23/2017</a:t>
             </a:fld>
             <a:endParaRPr lang="en-US"/>
           </a:p>
@@ -2166,7 +2166,7 @@
             <a:fld id="{2A145FE2-AB7C-46BC-8F86-612F87CDD637}" type="datetimeFigureOut">
               <a:rPr lang="en-US" smtClean="0"/>
               <a:pPr/>
-              <a:t>3/21/2017</a:t>
+              <a:t>3/23/2017</a:t>
             </a:fld>
             <a:endParaRPr lang="en-US"/>
           </a:p>
@@ -2445,7 +2445,7 @@
             <a:fld id="{2A145FE2-AB7C-46BC-8F86-612F87CDD637}" type="datetimeFigureOut">
               <a:rPr lang="en-US" smtClean="0"/>
               <a:pPr/>
-              <a:t>3/21/2017</a:t>
+              <a:t>3/23/2017</a:t>
             </a:fld>
             <a:endParaRPr lang="en-US"/>
           </a:p>
@@ -2700,7 +2700,7 @@
             <a:fld id="{2A145FE2-AB7C-46BC-8F86-612F87CDD637}" type="datetimeFigureOut">
               <a:rPr lang="en-US" smtClean="0"/>
               <a:pPr/>
-              <a:t>3/21/2017</a:t>
+              <a:t>3/23/2017</a:t>
             </a:fld>
             <a:endParaRPr lang="en-US"/>
           </a:p>
@@ -2920,7 +2920,7 @@
             <a:fld id="{2A145FE2-AB7C-46BC-8F86-612F87CDD637}" type="datetimeFigureOut">
               <a:rPr lang="en-US" smtClean="0"/>
               <a:pPr/>
-              <a:t>3/21/2017</a:t>
+              <a:t>3/23/2017</a:t>
             </a:fld>
             <a:endParaRPr lang="en-US"/>
           </a:p>
@@ -3520,87 +3520,136 @@
               </a:rPr>
               <a:t>Proposed approach</a:t>
             </a:r>
-            <a:endParaRPr lang="en-US" dirty="0">
-              <a:solidFill>
-                <a:schemeClr val="bg1"/>
-              </a:solidFill>
-            </a:endParaRPr>
-          </a:p>
-        </p:txBody>
-      </p:sp>
-      <p:sp>
-        <p:nvSpPr>
-          <p:cNvPr id="3" name="Content Placeholder 2"/>
-          <p:cNvSpPr>
-            <a:spLocks noGrp="1"/>
-          </p:cNvSpPr>
-          <p:nvPr>
-            <p:ph idx="1"/>
-          </p:nvPr>
+          </a:p>
+        </p:txBody>
+      </p:sp>
+      <p:sp>
+        <p:nvSpPr>
+          <p:cNvPr id="6" name="TextBox 5"/>
+          <p:cNvSpPr txBox="1"/>
+          <p:nvPr/>
         </p:nvSpPr>
         <p:spPr>
           <a:xfrm>
-            <a:off x="457200" y="1052736"/>
-            <a:ext cx="8229600" cy="4205064"/>
+            <a:off x="381000" y="685800"/>
+            <a:ext cx="4876800" cy="400110"/>
           </a:xfrm>
+          <a:prstGeom prst="rect">
+            <a:avLst/>
+          </a:prstGeom>
+          <a:noFill/>
         </p:spPr>
         <p:txBody>
-          <a:bodyPr/>
-          <a:lstStyle/>
-          <a:p>
-            <a:pPr marL="0" indent="0">
-              <a:buNone/>
-            </a:pPr>
-            <a:r>
-              <a:rPr lang="en-US" b="1" dirty="0" smtClean="0"/>
-              <a:t>1. Introduction</a:t>
-            </a:r>
-          </a:p>
-          <a:p>
-            <a:pPr marL="0" indent="0">
-              <a:buNone/>
-            </a:pPr>
-            <a:r>
-              <a:rPr lang="en-US" dirty="0" smtClean="0"/>
-              <a:t>2. Background</a:t>
-            </a:r>
-          </a:p>
-          <a:p>
-            <a:pPr marL="0" indent="0">
-              <a:buNone/>
-            </a:pPr>
-            <a:r>
-              <a:rPr lang="en-US" dirty="0" smtClean="0"/>
-              <a:t>3. Related work</a:t>
-            </a:r>
-          </a:p>
-          <a:p>
-            <a:pPr marL="0" indent="0">
-              <a:buNone/>
-            </a:pPr>
-            <a:r>
-              <a:rPr lang="en-US" dirty="0" smtClean="0"/>
-              <a:t>4. Proposed approach</a:t>
-            </a:r>
-          </a:p>
-          <a:p>
-            <a:pPr marL="0" indent="0">
-              <a:buNone/>
-            </a:pPr>
-            <a:r>
-              <a:rPr lang="en-US" dirty="0" smtClean="0"/>
-              <a:t>5. Experimental result</a:t>
-            </a:r>
-          </a:p>
-          <a:p>
-            <a:pPr marL="0" indent="0">
-              <a:buNone/>
-            </a:pPr>
-            <a:r>
-              <a:rPr lang="en-US" dirty="0" smtClean="0"/>
-              <a:t>6. Conclusion</a:t>
-            </a:r>
-            <a:endParaRPr lang="en-US" dirty="0"/>
+          <a:bodyPr wrap="square" rtlCol="0">
+            <a:spAutoFit/>
+          </a:bodyPr>
+          <a:lstStyle/>
+          <a:p>
+            <a:r>
+              <a:rPr lang="en-US" sz="2000" dirty="0" smtClean="0">
+                <a:latin typeface="Times New Roman" panose="02020603050405020304" pitchFamily="18" charset="0"/>
+                <a:cs typeface="Times New Roman" panose="02020603050405020304" pitchFamily="18" charset="0"/>
+              </a:rPr>
+              <a:t>★</a:t>
+            </a:r>
+            <a:r>
+              <a:rPr lang="en-US" sz="2000" dirty="0">
+                <a:latin typeface="Times New Roman" panose="02020603050405020304" pitchFamily="18" charset="0"/>
+                <a:cs typeface="Times New Roman" panose="02020603050405020304" pitchFamily="18" charset="0"/>
+              </a:rPr>
+              <a:t>Main steps of our proposed approach</a:t>
+            </a:r>
+            <a:endParaRPr lang="en-US" sz="2000" dirty="0">
+              <a:latin typeface="Times New Roman" panose="02020603050405020304" pitchFamily="18" charset="0"/>
+              <a:cs typeface="Times New Roman" panose="02020603050405020304" pitchFamily="18" charset="0"/>
+            </a:endParaRPr>
+          </a:p>
+        </p:txBody>
+      </p:sp>
+      <p:pic>
+        <p:nvPicPr>
+          <p:cNvPr id="2051" name="Picture 3"/>
+          <p:cNvPicPr>
+            <a:picLocks noChangeAspect="1" noChangeArrowheads="1"/>
+          </p:cNvPicPr>
+          <p:nvPr/>
+        </p:nvPicPr>
+        <p:blipFill>
+          <a:blip r:embed="rId2">
+            <a:extLst>
+              <a:ext uri="{28A0092B-C50C-407E-A947-70E740481C1C}">
+                <a14:useLocalDpi xmlns:a14="http://schemas.microsoft.com/office/drawing/2010/main" val="0"/>
+              </a:ext>
+            </a:extLst>
+          </a:blip>
+          <a:srcRect/>
+          <a:stretch>
+            <a:fillRect/>
+          </a:stretch>
+        </p:blipFill>
+        <p:spPr bwMode="auto">
+          <a:xfrm>
+            <a:off x="1047750" y="1143001"/>
+            <a:ext cx="7048500" cy="4419600"/>
+          </a:xfrm>
+          <a:prstGeom prst="rect">
+            <a:avLst/>
+          </a:prstGeom>
+          <a:noFill/>
+          <a:ln>
+            <a:noFill/>
+          </a:ln>
+          <a:extLst>
+            <a:ext uri="{909E8E84-426E-40DD-AFC4-6F175D3DCCD1}">
+              <a14:hiddenFill xmlns:a14="http://schemas.microsoft.com/office/drawing/2010/main">
+                <a:solidFill>
+                  <a:schemeClr val="accent1"/>
+                </a:solidFill>
+              </a14:hiddenFill>
+            </a:ext>
+            <a:ext uri="{91240B29-F687-4F45-9708-019B960494DF}">
+              <a14:hiddenLine xmlns:a14="http://schemas.microsoft.com/office/drawing/2010/main" w="9525">
+                <a:solidFill>
+                  <a:schemeClr val="tx1"/>
+                </a:solidFill>
+                <a:miter lim="800000"/>
+                <a:headEnd/>
+                <a:tailEnd/>
+              </a14:hiddenLine>
+            </a:ext>
+          </a:extLst>
+        </p:spPr>
+      </p:pic>
+      <p:sp>
+        <p:nvSpPr>
+          <p:cNvPr id="8" name="TextBox 7"/>
+          <p:cNvSpPr txBox="1"/>
+          <p:nvPr/>
+        </p:nvSpPr>
+        <p:spPr>
+          <a:xfrm>
+            <a:off x="838200" y="5638800"/>
+            <a:ext cx="7772400" cy="923330"/>
+          </a:xfrm>
+          <a:prstGeom prst="rect">
+            <a:avLst/>
+          </a:prstGeom>
+          <a:noFill/>
+        </p:spPr>
+        <p:txBody>
+          <a:bodyPr wrap="square" rtlCol="0">
+            <a:spAutoFit/>
+          </a:bodyPr>
+          <a:lstStyle/>
+          <a:p>
+            <a:pPr algn="just"/>
+            <a:r>
+              <a:rPr lang="en-US" dirty="0">
+                <a:latin typeface="Times New Roman" panose="02020603050405020304" pitchFamily="18" charset="0"/>
+                <a:cs typeface="Times New Roman" panose="02020603050405020304" pitchFamily="18" charset="0"/>
+              </a:rPr>
+              <a:t>We perform static analysis to find and solve conditions that are difficult for using GA, and then transfer the constraint satisfaction to GA to speed up the search process</a:t>
+            </a:r>
           </a:p>
         </p:txBody>
       </p:sp>
@@ -3685,102 +3734,292 @@
               </a:rPr>
               <a:t>Experimental results</a:t>
             </a:r>
-            <a:endParaRPr lang="en-US" dirty="0">
-              <a:solidFill>
-                <a:schemeClr val="bg1"/>
-              </a:solidFill>
-            </a:endParaRPr>
-          </a:p>
-        </p:txBody>
-      </p:sp>
-      <p:sp>
-        <p:nvSpPr>
-          <p:cNvPr id="3" name="Content Placeholder 2"/>
-          <p:cNvSpPr>
-            <a:spLocks noGrp="1"/>
-          </p:cNvSpPr>
-          <p:nvPr>
-            <p:ph idx="1"/>
-          </p:nvPr>
+          </a:p>
+        </p:txBody>
+      </p:sp>
+      <p:pic>
+        <p:nvPicPr>
+          <p:cNvPr id="1026" name="Picture 2"/>
+          <p:cNvPicPr>
+            <a:picLocks noChangeAspect="1" noChangeArrowheads="1"/>
+          </p:cNvPicPr>
+          <p:nvPr/>
+        </p:nvPicPr>
+        <p:blipFill>
+          <a:blip r:embed="rId2">
+            <a:extLst>
+              <a:ext uri="{28A0092B-C50C-407E-A947-70E740481C1C}">
+                <a14:useLocalDpi xmlns:a14="http://schemas.microsoft.com/office/drawing/2010/main" val="0"/>
+              </a:ext>
+            </a:extLst>
+          </a:blip>
+          <a:srcRect/>
+          <a:stretch>
+            <a:fillRect/>
+          </a:stretch>
+        </p:blipFill>
+        <p:spPr bwMode="auto">
+          <a:xfrm>
+            <a:off x="1220788" y="1143000"/>
+            <a:ext cx="6856412" cy="1457265"/>
+          </a:xfrm>
+          <a:prstGeom prst="rect">
+            <a:avLst/>
+          </a:prstGeom>
+          <a:noFill/>
+          <a:ln>
+            <a:noFill/>
+          </a:ln>
+          <a:extLst>
+            <a:ext uri="{909E8E84-426E-40DD-AFC4-6F175D3DCCD1}">
+              <a14:hiddenFill xmlns:a14="http://schemas.microsoft.com/office/drawing/2010/main">
+                <a:solidFill>
+                  <a:schemeClr val="accent1"/>
+                </a:solidFill>
+              </a14:hiddenFill>
+            </a:ext>
+            <a:ext uri="{91240B29-F687-4F45-9708-019B960494DF}">
+              <a14:hiddenLine xmlns:a14="http://schemas.microsoft.com/office/drawing/2010/main" w="9525">
+                <a:solidFill>
+                  <a:schemeClr val="tx1"/>
+                </a:solidFill>
+                <a:miter lim="800000"/>
+                <a:headEnd/>
+                <a:tailEnd/>
+              </a14:hiddenLine>
+            </a:ext>
+          </a:extLst>
+        </p:spPr>
+      </p:pic>
+      <p:pic>
+        <p:nvPicPr>
+          <p:cNvPr id="1027" name="Picture 3"/>
+          <p:cNvPicPr>
+            <a:picLocks noChangeAspect="1" noChangeArrowheads="1"/>
+          </p:cNvPicPr>
+          <p:nvPr/>
+        </p:nvPicPr>
+        <p:blipFill>
+          <a:blip r:embed="rId3">
+            <a:extLst>
+              <a:ext uri="{28A0092B-C50C-407E-A947-70E740481C1C}">
+                <a14:useLocalDpi xmlns:a14="http://schemas.microsoft.com/office/drawing/2010/main" val="0"/>
+              </a:ext>
+            </a:extLst>
+          </a:blip>
+          <a:srcRect/>
+          <a:stretch>
+            <a:fillRect/>
+          </a:stretch>
+        </p:blipFill>
+        <p:spPr bwMode="auto">
+          <a:xfrm>
+            <a:off x="1247775" y="2695575"/>
+            <a:ext cx="6829425" cy="1571625"/>
+          </a:xfrm>
+          <a:prstGeom prst="rect">
+            <a:avLst/>
+          </a:prstGeom>
+          <a:noFill/>
+          <a:ln>
+            <a:noFill/>
+          </a:ln>
+          <a:extLst>
+            <a:ext uri="{909E8E84-426E-40DD-AFC4-6F175D3DCCD1}">
+              <a14:hiddenFill xmlns:a14="http://schemas.microsoft.com/office/drawing/2010/main">
+                <a:solidFill>
+                  <a:schemeClr val="accent1"/>
+                </a:solidFill>
+              </a14:hiddenFill>
+            </a:ext>
+            <a:ext uri="{91240B29-F687-4F45-9708-019B960494DF}">
+              <a14:hiddenLine xmlns:a14="http://schemas.microsoft.com/office/drawing/2010/main" w="9525">
+                <a:solidFill>
+                  <a:schemeClr val="tx1"/>
+                </a:solidFill>
+                <a:miter lim="800000"/>
+                <a:headEnd/>
+                <a:tailEnd/>
+              </a14:hiddenLine>
+            </a:ext>
+          </a:extLst>
+        </p:spPr>
+      </p:pic>
+      <p:pic>
+        <p:nvPicPr>
+          <p:cNvPr id="1028" name="Picture 4"/>
+          <p:cNvPicPr>
+            <a:picLocks noChangeAspect="1" noChangeArrowheads="1"/>
+          </p:cNvPicPr>
+          <p:nvPr/>
+        </p:nvPicPr>
+        <p:blipFill>
+          <a:blip r:embed="rId4">
+            <a:extLst>
+              <a:ext uri="{28A0092B-C50C-407E-A947-70E740481C1C}">
+                <a14:useLocalDpi xmlns:a14="http://schemas.microsoft.com/office/drawing/2010/main" val="0"/>
+              </a:ext>
+            </a:extLst>
+          </a:blip>
+          <a:srcRect/>
+          <a:stretch>
+            <a:fillRect/>
+          </a:stretch>
+        </p:blipFill>
+        <p:spPr bwMode="auto">
+          <a:xfrm>
+            <a:off x="1247776" y="4600575"/>
+            <a:ext cx="6829424" cy="1495425"/>
+          </a:xfrm>
+          <a:prstGeom prst="rect">
+            <a:avLst/>
+          </a:prstGeom>
+          <a:noFill/>
+          <a:ln>
+            <a:noFill/>
+          </a:ln>
+          <a:extLst>
+            <a:ext uri="{909E8E84-426E-40DD-AFC4-6F175D3DCCD1}">
+              <a14:hiddenFill xmlns:a14="http://schemas.microsoft.com/office/drawing/2010/main">
+                <a:solidFill>
+                  <a:schemeClr val="accent1"/>
+                </a:solidFill>
+              </a14:hiddenFill>
+            </a:ext>
+            <a:ext uri="{91240B29-F687-4F45-9708-019B960494DF}">
+              <a14:hiddenLine xmlns:a14="http://schemas.microsoft.com/office/drawing/2010/main" w="9525">
+                <a:solidFill>
+                  <a:schemeClr val="tx1"/>
+                </a:solidFill>
+                <a:miter lim="800000"/>
+                <a:headEnd/>
+                <a:tailEnd/>
+              </a14:hiddenLine>
+            </a:ext>
+          </a:extLst>
+        </p:spPr>
+      </p:pic>
+      <p:sp>
+        <p:nvSpPr>
+          <p:cNvPr id="5" name="TextBox 4"/>
+          <p:cNvSpPr txBox="1"/>
+          <p:nvPr/>
         </p:nvSpPr>
         <p:spPr>
           <a:xfrm>
-            <a:off x="457200" y="1052736"/>
-            <a:ext cx="8229600" cy="5184576"/>
+            <a:off x="457200" y="762000"/>
+            <a:ext cx="3048000" cy="400110"/>
           </a:xfrm>
+          <a:prstGeom prst="rect">
+            <a:avLst/>
+          </a:prstGeom>
+          <a:noFill/>
         </p:spPr>
         <p:txBody>
-          <a:bodyPr/>
-          <a:lstStyle/>
-          <a:p>
-            <a:pPr marL="0" indent="0">
-              <a:buNone/>
-            </a:pPr>
-            <a:r>
-              <a:rPr lang="en-US" dirty="0"/>
-              <a:t>static analysis </a:t>
-            </a:r>
-            <a:endParaRPr lang="en-US" dirty="0" smtClean="0"/>
-          </a:p>
-          <a:p>
-            <a:pPr marL="0" indent="0">
-              <a:buNone/>
-            </a:pPr>
-            <a:r>
-              <a:rPr lang="en-US" dirty="0" smtClean="0"/>
-              <a:t>	</a:t>
-            </a:r>
-            <a:r>
-              <a:rPr lang="en-US" sz="2800" dirty="0" smtClean="0"/>
-              <a:t>automatic, scalable, exhaustive</a:t>
-            </a:r>
-          </a:p>
-          <a:p>
-            <a:pPr marL="0" indent="0">
-              <a:buNone/>
-            </a:pPr>
-            <a:r>
-              <a:rPr lang="en-US" sz="2800" dirty="0" smtClean="0"/>
-              <a:t>	infinite loops, array, procedure calls and pointer 	references </a:t>
-            </a:r>
-          </a:p>
-          <a:p>
-            <a:pPr marL="0" indent="0">
-              <a:buNone/>
-            </a:pPr>
-            <a:r>
-              <a:rPr lang="en-US" sz="2800" dirty="0" smtClean="0"/>
-              <a:t>	state-of-the-art: symbolic execution (SE)</a:t>
-            </a:r>
-            <a:endParaRPr lang="en-US" sz="2800" dirty="0"/>
-          </a:p>
-          <a:p>
-            <a:pPr marL="0" indent="0">
-              <a:buNone/>
-            </a:pPr>
-            <a:r>
-              <a:rPr lang="en-US" dirty="0" smtClean="0"/>
-              <a:t>dynamic analysis</a:t>
-            </a:r>
-          </a:p>
-          <a:p>
-            <a:pPr marL="0" indent="0">
-              <a:buNone/>
-            </a:pPr>
-            <a:r>
-              <a:rPr lang="en-US" sz="2800" dirty="0" smtClean="0"/>
-              <a:t>	random testing, local search, and evolutionary 	methods </a:t>
-            </a:r>
-          </a:p>
-          <a:p>
-            <a:pPr marL="0" indent="0">
-              <a:buNone/>
-            </a:pPr>
-            <a:r>
-              <a:rPr lang="en-US" sz="2800" dirty="0" smtClean="0"/>
-              <a:t>	most widely known: genetic algorithm (GA)</a:t>
-            </a:r>
-            <a:endParaRPr lang="en-US" sz="2800" dirty="0"/>
+          <a:bodyPr wrap="square" rtlCol="0">
+            <a:spAutoFit/>
+          </a:bodyPr>
+          <a:lstStyle/>
+          <a:p>
+            <a:r>
+              <a:rPr lang="en-US" sz="2000" dirty="0">
+                <a:latin typeface="Times New Roman" panose="02020603050405020304" pitchFamily="18" charset="0"/>
+                <a:cs typeface="Times New Roman" panose="02020603050405020304" pitchFamily="18" charset="0"/>
+              </a:rPr>
+              <a:t>★Test path coverage</a:t>
+            </a:r>
+          </a:p>
+        </p:txBody>
+      </p:sp>
+      <p:sp>
+        <p:nvSpPr>
+          <p:cNvPr id="9" name="TextBox 8"/>
+          <p:cNvSpPr txBox="1"/>
+          <p:nvPr/>
+        </p:nvSpPr>
+        <p:spPr>
+          <a:xfrm>
+            <a:off x="457199" y="4248090"/>
+            <a:ext cx="4205287" cy="400110"/>
+          </a:xfrm>
+          <a:prstGeom prst="rect">
+            <a:avLst/>
+          </a:prstGeom>
+          <a:noFill/>
+        </p:spPr>
+        <p:txBody>
+          <a:bodyPr wrap="square" rtlCol="0">
+            <a:spAutoFit/>
+          </a:bodyPr>
+          <a:lstStyle/>
+          <a:p>
+            <a:r>
+              <a:rPr lang="en-US" sz="2000" dirty="0" smtClean="0">
+                <a:latin typeface="Times New Roman" panose="02020603050405020304" pitchFamily="18" charset="0"/>
+                <a:cs typeface="Times New Roman" panose="02020603050405020304" pitchFamily="18" charset="0"/>
+              </a:rPr>
+              <a:t>★Test </a:t>
+            </a:r>
+            <a:r>
+              <a:rPr lang="en-US" sz="2000" dirty="0">
+                <a:latin typeface="Times New Roman" panose="02020603050405020304" pitchFamily="18" charset="0"/>
+                <a:cs typeface="Times New Roman" panose="02020603050405020304" pitchFamily="18" charset="0"/>
+              </a:rPr>
+              <a:t>data generation counts</a:t>
+            </a:r>
+          </a:p>
+        </p:txBody>
+      </p:sp>
+      <p:sp>
+        <p:nvSpPr>
+          <p:cNvPr id="10" name="TextBox 9"/>
+          <p:cNvSpPr txBox="1"/>
+          <p:nvPr/>
+        </p:nvSpPr>
+        <p:spPr>
+          <a:xfrm>
+            <a:off x="596107" y="6096000"/>
+            <a:ext cx="8014493" cy="553998"/>
+          </a:xfrm>
+          <a:prstGeom prst="rect">
+            <a:avLst/>
+          </a:prstGeom>
+          <a:noFill/>
+        </p:spPr>
+        <p:txBody>
+          <a:bodyPr wrap="square" rtlCol="0">
+            <a:spAutoFit/>
+          </a:bodyPr>
+          <a:lstStyle/>
+          <a:p>
+            <a:r>
+              <a:rPr lang="en-US" sz="1500" dirty="0" smtClean="0">
+                <a:latin typeface="Times New Roman" panose="02020603050405020304" pitchFamily="18" charset="0"/>
+                <a:cs typeface="Times New Roman" panose="02020603050405020304" pitchFamily="18" charset="0"/>
+              </a:rPr>
+              <a:t>[1] J</a:t>
+            </a:r>
+            <a:r>
+              <a:rPr lang="en-US" sz="1500" dirty="0">
+                <a:latin typeface="Times New Roman" panose="02020603050405020304" pitchFamily="18" charset="0"/>
+                <a:cs typeface="Times New Roman" panose="02020603050405020304" pitchFamily="18" charset="0"/>
+              </a:rPr>
+              <a:t>. </a:t>
+            </a:r>
+            <a:r>
+              <a:rPr lang="en-US" sz="1500" dirty="0" err="1">
+                <a:latin typeface="Times New Roman" panose="02020603050405020304" pitchFamily="18" charset="0"/>
+                <a:cs typeface="Times New Roman" panose="02020603050405020304" pitchFamily="18" charset="0"/>
+              </a:rPr>
+              <a:t>Malburg</a:t>
+            </a:r>
+            <a:r>
+              <a:rPr lang="en-US" sz="1500" dirty="0">
+                <a:latin typeface="Times New Roman" panose="02020603050405020304" pitchFamily="18" charset="0"/>
+                <a:cs typeface="Times New Roman" panose="02020603050405020304" pitchFamily="18" charset="0"/>
+              </a:rPr>
+              <a:t> and G. Fraser: Search-based testing using constraint-based mutation. Journal Software Testing, Verification &amp; Reliability, vol. 24(6), 472--495 (2014).</a:t>
+            </a:r>
           </a:p>
         </p:txBody>
       </p:sp>

--- a/CFT4CUnitSrc/src/report/ACIIDS2017_Presentation.pptx
+++ b/CFT4CUnitSrc/src/report/ACIIDS2017_Presentation.pptx
@@ -112,6 +112,27 @@
 </p:presentation>
 </file>
 
+<file path=ppt/commentAuthors.xml><?xml version="1.0" encoding="utf-8"?>
+<p:cmAuthorLst xmlns:a="http://schemas.openxmlformats.org/drawingml/2006/main" xmlns:r="http://schemas.openxmlformats.org/officeDocument/2006/relationships" xmlns:p="http://schemas.openxmlformats.org/presentationml/2006/main">
+  <p:cmAuthor id="0" name="Hieu Vo" initials="HV" lastIdx="2" clrIdx="0"/>
+</p:cmAuthorLst>
+</file>
+
+<file path=ppt/comments/comment1.xml><?xml version="1.0" encoding="utf-8"?>
+<p:cmLst xmlns:a="http://schemas.openxmlformats.org/drawingml/2006/main" xmlns:r="http://schemas.openxmlformats.org/officeDocument/2006/relationships" xmlns:p="http://schemas.openxmlformats.org/presentationml/2006/main">
+  <p:cm authorId="0" dt="2017-03-25T10:24:12.289" idx="1">
+    <p:pos x="3312" y="432"/>
+    <p:text>Sửa ngắn gọn thành "Main steps"</p:text>
+  </p:cm>
+  <p:cm authorId="0" dt="2017-03-25T10:30:56.627" idx="2">
+    <p:pos x="5424" y="3552"/>
+    <p:text>Đưa phần này lên trên thì hợp lý hơn vì đây là strategy còn các main step là chi tiết hóa.
+Sử dụng "Using static analysis..." thay cho "We perform...."
+</p:text>
+  </p:cm>
+</p:cmLst>
+</file>
+
 <file path=ppt/handoutMasters/handoutMaster1.xml><?xml version="1.0" encoding="utf-8"?>
 <p:handoutMaster xmlns:a="http://schemas.openxmlformats.org/drawingml/2006/main" xmlns:r="http://schemas.openxmlformats.org/officeDocument/2006/relationships" xmlns:p="http://schemas.openxmlformats.org/presentationml/2006/main">
   <p:cSld>
@@ -195,7 +216,7 @@
             <a:fld id="{5F13D7CC-1040-492F-8106-51A9FB2C754C}" type="datetimeFigureOut">
               <a:rPr lang="en-US" smtClean="0"/>
               <a:pPr/>
-              <a:t>3/23/2017</a:t>
+              <a:t>3/25/2017</a:t>
             </a:fld>
             <a:endParaRPr lang="en-US"/>
           </a:p>
@@ -461,7 +482,7 @@
             <a:fld id="{2A145FE2-AB7C-46BC-8F86-612F87CDD637}" type="datetimeFigureOut">
               <a:rPr lang="en-US" smtClean="0"/>
               <a:pPr/>
-              <a:t>3/23/2017</a:t>
+              <a:t>3/25/2017</a:t>
             </a:fld>
             <a:endParaRPr lang="en-US"/>
           </a:p>
@@ -633,7 +654,7 @@
             <a:fld id="{2A145FE2-AB7C-46BC-8F86-612F87CDD637}" type="datetimeFigureOut">
               <a:rPr lang="en-US" smtClean="0"/>
               <a:pPr/>
-              <a:t>3/23/2017</a:t>
+              <a:t>3/25/2017</a:t>
             </a:fld>
             <a:endParaRPr lang="en-US"/>
           </a:p>
@@ -815,7 +836,7 @@
             <a:fld id="{2A145FE2-AB7C-46BC-8F86-612F87CDD637}" type="datetimeFigureOut">
               <a:rPr lang="en-US" smtClean="0"/>
               <a:pPr/>
-              <a:t>3/23/2017</a:t>
+              <a:t>3/25/2017</a:t>
             </a:fld>
             <a:endParaRPr lang="en-US"/>
           </a:p>
@@ -987,7 +1008,7 @@
             <a:fld id="{2A145FE2-AB7C-46BC-8F86-612F87CDD637}" type="datetimeFigureOut">
               <a:rPr lang="en-US" smtClean="0"/>
               <a:pPr/>
-              <a:t>3/23/2017</a:t>
+              <a:t>3/25/2017</a:t>
             </a:fld>
             <a:endParaRPr lang="en-US"/>
           </a:p>
@@ -1235,7 +1256,7 @@
             <a:fld id="{2A145FE2-AB7C-46BC-8F86-612F87CDD637}" type="datetimeFigureOut">
               <a:rPr lang="en-US" smtClean="0"/>
               <a:pPr/>
-              <a:t>3/23/2017</a:t>
+              <a:t>3/25/2017</a:t>
             </a:fld>
             <a:endParaRPr lang="en-US"/>
           </a:p>
@@ -1525,7 +1546,7 @@
             <a:fld id="{2A145FE2-AB7C-46BC-8F86-612F87CDD637}" type="datetimeFigureOut">
               <a:rPr lang="en-US" smtClean="0"/>
               <a:pPr/>
-              <a:t>3/23/2017</a:t>
+              <a:t>3/25/2017</a:t>
             </a:fld>
             <a:endParaRPr lang="en-US"/>
           </a:p>
@@ -1949,7 +1970,7 @@
             <a:fld id="{2A145FE2-AB7C-46BC-8F86-612F87CDD637}" type="datetimeFigureOut">
               <a:rPr lang="en-US" smtClean="0"/>
               <a:pPr/>
-              <a:t>3/23/2017</a:t>
+              <a:t>3/25/2017</a:t>
             </a:fld>
             <a:endParaRPr lang="en-US"/>
           </a:p>
@@ -2069,7 +2090,7 @@
             <a:fld id="{2A145FE2-AB7C-46BC-8F86-612F87CDD637}" type="datetimeFigureOut">
               <a:rPr lang="en-US" smtClean="0"/>
               <a:pPr/>
-              <a:t>3/23/2017</a:t>
+              <a:t>3/25/2017</a:t>
             </a:fld>
             <a:endParaRPr lang="en-US"/>
           </a:p>
@@ -2166,7 +2187,7 @@
             <a:fld id="{2A145FE2-AB7C-46BC-8F86-612F87CDD637}" type="datetimeFigureOut">
               <a:rPr lang="en-US" smtClean="0"/>
               <a:pPr/>
-              <a:t>3/23/2017</a:t>
+              <a:t>3/25/2017</a:t>
             </a:fld>
             <a:endParaRPr lang="en-US"/>
           </a:p>
@@ -2445,7 +2466,7 @@
             <a:fld id="{2A145FE2-AB7C-46BC-8F86-612F87CDD637}" type="datetimeFigureOut">
               <a:rPr lang="en-US" smtClean="0"/>
               <a:pPr/>
-              <a:t>3/23/2017</a:t>
+              <a:t>3/25/2017</a:t>
             </a:fld>
             <a:endParaRPr lang="en-US"/>
           </a:p>
@@ -2700,7 +2721,7 @@
             <a:fld id="{2A145FE2-AB7C-46BC-8F86-612F87CDD637}" type="datetimeFigureOut">
               <a:rPr lang="en-US" smtClean="0"/>
               <a:pPr/>
-              <a:t>3/23/2017</a:t>
+              <a:t>3/25/2017</a:t>
             </a:fld>
             <a:endParaRPr lang="en-US"/>
           </a:p>
@@ -2920,7 +2941,7 @@
             <a:fld id="{2A145FE2-AB7C-46BC-8F86-612F87CDD637}" type="datetimeFigureOut">
               <a:rPr lang="en-US" smtClean="0"/>
               <a:pPr/>
-              <a:t>3/23/2017</a:t>
+              <a:t>3/25/2017</a:t>
             </a:fld>
             <a:endParaRPr lang="en-US"/>
           </a:p>
@@ -3557,7 +3578,14 @@
                 <a:latin typeface="Times New Roman" panose="02020603050405020304" pitchFamily="18" charset="0"/>
                 <a:cs typeface="Times New Roman" panose="02020603050405020304" pitchFamily="18" charset="0"/>
               </a:rPr>
-              <a:t>Main steps of our proposed approach</a:t>
+              <a:t>Main </a:t>
+            </a:r>
+            <a:r>
+              <a:rPr lang="en-US" sz="2000" dirty="0" smtClean="0">
+                <a:latin typeface="Times New Roman" panose="02020603050405020304" pitchFamily="18" charset="0"/>
+                <a:cs typeface="Times New Roman" panose="02020603050405020304" pitchFamily="18" charset="0"/>
+              </a:rPr>
+              <a:t>steps</a:t>
             </a:r>
             <a:endParaRPr lang="en-US" sz="2000" dirty="0">
               <a:latin typeface="Times New Roman" panose="02020603050405020304" pitchFamily="18" charset="0"/>
@@ -3629,7 +3657,7 @@
         <p:spPr>
           <a:xfrm>
             <a:off x="838200" y="5638800"/>
-            <a:ext cx="7772400" cy="923330"/>
+            <a:ext cx="7772400" cy="646331"/>
           </a:xfrm>
           <a:prstGeom prst="rect">
             <a:avLst/>
@@ -3644,11 +3672,25 @@
           <a:p>
             <a:pPr algn="just"/>
             <a:r>
+              <a:rPr lang="en-US" dirty="0" smtClean="0">
+                <a:latin typeface="Times New Roman" panose="02020603050405020304" pitchFamily="18" charset="0"/>
+                <a:cs typeface="Times New Roman" panose="02020603050405020304" pitchFamily="18" charset="0"/>
+              </a:rPr>
+              <a:t>Using</a:t>
+            </a:r>
+            <a:r>
+              <a:rPr lang="en-US" dirty="0" smtClean="0">
+                <a:latin typeface="Times New Roman" panose="02020603050405020304" pitchFamily="18" charset="0"/>
+                <a:cs typeface="Times New Roman" panose="02020603050405020304" pitchFamily="18" charset="0"/>
+              </a:rPr>
+              <a:t> </a:t>
+            </a:r>
+            <a:r>
               <a:rPr lang="en-US" dirty="0">
                 <a:latin typeface="Times New Roman" panose="02020603050405020304" pitchFamily="18" charset="0"/>
                 <a:cs typeface="Times New Roman" panose="02020603050405020304" pitchFamily="18" charset="0"/>
               </a:rPr>
-              <a:t>We perform static analysis to find and solve conditions that are difficult for using GA, and then transfer the constraint satisfaction to GA to speed up the search process</a:t>
+              <a:t>static analysis to find and solve conditions that are difficult for using GA, and then transfer the constraint satisfaction to GA to speed up the search process</a:t>
             </a:r>
           </a:p>
         </p:txBody>

--- a/CFT4CUnitSrc/src/report/ACIIDS2017_Presentation.pptx
+++ b/CFT4CUnitSrc/src/report/ACIIDS2017_Presentation.pptx
@@ -116,21 +116,6 @@
 <p:cmAuthorLst xmlns:a="http://schemas.openxmlformats.org/drawingml/2006/main" xmlns:r="http://schemas.openxmlformats.org/officeDocument/2006/relationships" xmlns:p="http://schemas.openxmlformats.org/presentationml/2006/main">
   <p:cmAuthor id="0" name="Hieu Vo" initials="HV" lastIdx="2" clrIdx="0"/>
 </p:cmAuthorLst>
-</file>
-
-<file path=ppt/comments/comment1.xml><?xml version="1.0" encoding="utf-8"?>
-<p:cmLst xmlns:a="http://schemas.openxmlformats.org/drawingml/2006/main" xmlns:r="http://schemas.openxmlformats.org/officeDocument/2006/relationships" xmlns:p="http://schemas.openxmlformats.org/presentationml/2006/main">
-  <p:cm authorId="0" dt="2017-03-25T10:24:12.289" idx="1">
-    <p:pos x="3312" y="432"/>
-    <p:text>Sửa ngắn gọn thành "Main steps"</p:text>
-  </p:cm>
-  <p:cm authorId="0" dt="2017-03-25T10:30:56.627" idx="2">
-    <p:pos x="5424" y="3552"/>
-    <p:text>Đưa phần này lên trên thì hợp lý hơn vì đây là strategy còn các main step là chi tiết hóa.
-Sử dụng "Using static analysis..." thay cho "We perform...."
-</p:text>
-  </p:cm>
-</p:cmLst>
 </file>
 
 <file path=ppt/handoutMasters/handoutMaster1.xml><?xml version="1.0" encoding="utf-8"?>
@@ -3371,15 +3356,15 @@
           <a:p>
             <a:r>
               <a:rPr lang="en-US" dirty="0" smtClean="0"/>
-              <a:t>Ngoc-Thi Dinh, </a:t>
-            </a:r>
-            <a:r>
-              <a:rPr lang="en-US" dirty="0" err="1" smtClean="0"/>
-              <a:t>Hieu</a:t>
+              <a:t>Ngoc-Thi </a:t>
             </a:r>
             <a:r>
               <a:rPr lang="en-US" dirty="0" smtClean="0"/>
-              <a:t>-Dinh Vo, Thi-Dao Vu and Viet-Ha Nguyen</a:t>
+              <a:t>Dinh*, </a:t>
+            </a:r>
+            <a:r>
+              <a:rPr lang="en-US" dirty="0" smtClean="0"/>
+              <a:t>Hieu-Dinh Vo, Thi-Dao Vu and Viet-Ha Nguyen</a:t>
             </a:r>
           </a:p>
           <a:p>
@@ -3676,14 +3661,7 @@
                 <a:latin typeface="Times New Roman" panose="02020603050405020304" pitchFamily="18" charset="0"/>
                 <a:cs typeface="Times New Roman" panose="02020603050405020304" pitchFamily="18" charset="0"/>
               </a:rPr>
-              <a:t>Using</a:t>
-            </a:r>
-            <a:r>
-              <a:rPr lang="en-US" dirty="0" smtClean="0">
-                <a:latin typeface="Times New Roman" panose="02020603050405020304" pitchFamily="18" charset="0"/>
-                <a:cs typeface="Times New Roman" panose="02020603050405020304" pitchFamily="18" charset="0"/>
-              </a:rPr>
-              <a:t> </a:t>
+              <a:t>Using </a:t>
             </a:r>
             <a:r>
               <a:rPr lang="en-US" dirty="0">
